--- a/331 - My Faith Looks up to Thee.pptx
+++ b/331 - My Faith Looks up to Thee.pptx
@@ -243,7 +243,7 @@
           <a:p>
             <a:fld id="{32F7251A-AE54-443C-B8FE-5F636E835EBF}" type="datetimeFigureOut">
               <a:rPr lang="en-US" smtClean="0"/>
-              <a:t>3/20/2020</a:t>
+              <a:t>10/25/2020</a:t>
             </a:fld>
             <a:endParaRPr lang="en-US"/>
           </a:p>
@@ -411,7 +411,7 @@
           <a:p>
             <a:fld id="{32F7251A-AE54-443C-B8FE-5F636E835EBF}" type="datetimeFigureOut">
               <a:rPr lang="en-US" smtClean="0"/>
-              <a:t>3/20/2020</a:t>
+              <a:t>10/25/2020</a:t>
             </a:fld>
             <a:endParaRPr lang="en-US"/>
           </a:p>
@@ -589,7 +589,7 @@
           <a:p>
             <a:fld id="{32F7251A-AE54-443C-B8FE-5F636E835EBF}" type="datetimeFigureOut">
               <a:rPr lang="en-US" smtClean="0"/>
-              <a:t>3/20/2020</a:t>
+              <a:t>10/25/2020</a:t>
             </a:fld>
             <a:endParaRPr lang="en-US"/>
           </a:p>
@@ -757,7 +757,7 @@
           <a:p>
             <a:fld id="{32F7251A-AE54-443C-B8FE-5F636E835EBF}" type="datetimeFigureOut">
               <a:rPr lang="en-US" smtClean="0"/>
-              <a:t>3/20/2020</a:t>
+              <a:t>10/25/2020</a:t>
             </a:fld>
             <a:endParaRPr lang="en-US"/>
           </a:p>
@@ -1002,7 +1002,7 @@
           <a:p>
             <a:fld id="{32F7251A-AE54-443C-B8FE-5F636E835EBF}" type="datetimeFigureOut">
               <a:rPr lang="en-US" smtClean="0"/>
-              <a:t>3/20/2020</a:t>
+              <a:t>10/25/2020</a:t>
             </a:fld>
             <a:endParaRPr lang="en-US"/>
           </a:p>
@@ -1231,7 +1231,7 @@
           <a:p>
             <a:fld id="{32F7251A-AE54-443C-B8FE-5F636E835EBF}" type="datetimeFigureOut">
               <a:rPr lang="en-US" smtClean="0"/>
-              <a:t>3/20/2020</a:t>
+              <a:t>10/25/2020</a:t>
             </a:fld>
             <a:endParaRPr lang="en-US"/>
           </a:p>
@@ -1595,7 +1595,7 @@
           <a:p>
             <a:fld id="{32F7251A-AE54-443C-B8FE-5F636E835EBF}" type="datetimeFigureOut">
               <a:rPr lang="en-US" smtClean="0"/>
-              <a:t>3/20/2020</a:t>
+              <a:t>10/25/2020</a:t>
             </a:fld>
             <a:endParaRPr lang="en-US"/>
           </a:p>
@@ -1712,7 +1712,7 @@
           <a:p>
             <a:fld id="{32F7251A-AE54-443C-B8FE-5F636E835EBF}" type="datetimeFigureOut">
               <a:rPr lang="en-US" smtClean="0"/>
-              <a:t>3/20/2020</a:t>
+              <a:t>10/25/2020</a:t>
             </a:fld>
             <a:endParaRPr lang="en-US"/>
           </a:p>
@@ -1807,7 +1807,7 @@
           <a:p>
             <a:fld id="{32F7251A-AE54-443C-B8FE-5F636E835EBF}" type="datetimeFigureOut">
               <a:rPr lang="en-US" smtClean="0"/>
-              <a:t>3/20/2020</a:t>
+              <a:t>10/25/2020</a:t>
             </a:fld>
             <a:endParaRPr lang="en-US"/>
           </a:p>
@@ -2082,7 +2082,7 @@
           <a:p>
             <a:fld id="{32F7251A-AE54-443C-B8FE-5F636E835EBF}" type="datetimeFigureOut">
               <a:rPr lang="en-US" smtClean="0"/>
-              <a:t>3/20/2020</a:t>
+              <a:t>10/25/2020</a:t>
             </a:fld>
             <a:endParaRPr lang="en-US"/>
           </a:p>
@@ -2334,7 +2334,7 @@
           <a:p>
             <a:fld id="{32F7251A-AE54-443C-B8FE-5F636E835EBF}" type="datetimeFigureOut">
               <a:rPr lang="en-US" smtClean="0"/>
-              <a:t>3/20/2020</a:t>
+              <a:t>10/25/2020</a:t>
             </a:fld>
             <a:endParaRPr lang="en-US"/>
           </a:p>
@@ -2401,7 +2401,9 @@
     <p:bg>
       <p:bgPr>
         <a:solidFill>
-          <a:srgbClr val="333333"/>
+          <a:schemeClr val="bg1">
+            <a:lumMod val="10000"/>
+          </a:schemeClr>
         </a:solidFill>
         <a:effectLst/>
       </p:bgPr>
@@ -2548,7 +2550,7 @@
           <a:p>
             <a:fld id="{32F7251A-AE54-443C-B8FE-5F636E835EBF}" type="datetimeFigureOut">
               <a:rPr lang="en-US" smtClean="0"/>
-              <a:t>3/20/2020</a:t>
+              <a:t>10/25/2020</a:t>
             </a:fld>
             <a:endParaRPr lang="en-US"/>
           </a:p>
